--- a/331-HTTP 통신/331-1.http통신.pptx
+++ b/331-HTTP 통신/331-1.http통신.pptx
@@ -121,6 +121,11 @@
       </a:defRPr>
     </a:lvl9pPr>
   </p:defaultTextStyle>
+  <p:extLst>
+    <p:ext uri="{EFAFB233-063F-42B5-8137-9DF3F51BA10A}">
+      <p15:sldGuideLst xmlns:p15="http://schemas.microsoft.com/office/powerpoint/2012/main"/>
+    </p:ext>
+  </p:extLst>
 </p:presentation>
 </file>
 
@@ -271,7 +276,7 @@
           <a:p>
             <a:fld id="{96CCD7D2-BC6E-496C-96C2-F70DCBFA4A7F}" type="datetimeFigureOut">
               <a:rPr lang="ko-KR" altLang="en-US" smtClean="0"/>
-              <a:t>2023-05-21</a:t>
+              <a:t>2023-05-29</a:t>
             </a:fld>
             <a:endParaRPr lang="ko-KR" altLang="en-US"/>
           </a:p>
@@ -469,7 +474,7 @@
           <a:p>
             <a:fld id="{96CCD7D2-BC6E-496C-96C2-F70DCBFA4A7F}" type="datetimeFigureOut">
               <a:rPr lang="ko-KR" altLang="en-US" smtClean="0"/>
-              <a:t>2023-05-21</a:t>
+              <a:t>2023-05-29</a:t>
             </a:fld>
             <a:endParaRPr lang="ko-KR" altLang="en-US"/>
           </a:p>
@@ -677,7 +682,7 @@
           <a:p>
             <a:fld id="{96CCD7D2-BC6E-496C-96C2-F70DCBFA4A7F}" type="datetimeFigureOut">
               <a:rPr lang="ko-KR" altLang="en-US" smtClean="0"/>
-              <a:t>2023-05-21</a:t>
+              <a:t>2023-05-29</a:t>
             </a:fld>
             <a:endParaRPr lang="ko-KR" altLang="en-US"/>
           </a:p>
@@ -875,7 +880,7 @@
           <a:p>
             <a:fld id="{96CCD7D2-BC6E-496C-96C2-F70DCBFA4A7F}" type="datetimeFigureOut">
               <a:rPr lang="ko-KR" altLang="en-US" smtClean="0"/>
-              <a:t>2023-05-21</a:t>
+              <a:t>2023-05-29</a:t>
             </a:fld>
             <a:endParaRPr lang="ko-KR" altLang="en-US"/>
           </a:p>
@@ -1150,7 +1155,7 @@
           <a:p>
             <a:fld id="{96CCD7D2-BC6E-496C-96C2-F70DCBFA4A7F}" type="datetimeFigureOut">
               <a:rPr lang="ko-KR" altLang="en-US" smtClean="0"/>
-              <a:t>2023-05-21</a:t>
+              <a:t>2023-05-29</a:t>
             </a:fld>
             <a:endParaRPr lang="ko-KR" altLang="en-US"/>
           </a:p>
@@ -1415,7 +1420,7 @@
           <a:p>
             <a:fld id="{96CCD7D2-BC6E-496C-96C2-F70DCBFA4A7F}" type="datetimeFigureOut">
               <a:rPr lang="ko-KR" altLang="en-US" smtClean="0"/>
-              <a:t>2023-05-21</a:t>
+              <a:t>2023-05-29</a:t>
             </a:fld>
             <a:endParaRPr lang="ko-KR" altLang="en-US"/>
           </a:p>
@@ -1827,7 +1832,7 @@
           <a:p>
             <a:fld id="{96CCD7D2-BC6E-496C-96C2-F70DCBFA4A7F}" type="datetimeFigureOut">
               <a:rPr lang="ko-KR" altLang="en-US" smtClean="0"/>
-              <a:t>2023-05-21</a:t>
+              <a:t>2023-05-29</a:t>
             </a:fld>
             <a:endParaRPr lang="ko-KR" altLang="en-US"/>
           </a:p>
@@ -1968,7 +1973,7 @@
           <a:p>
             <a:fld id="{96CCD7D2-BC6E-496C-96C2-F70DCBFA4A7F}" type="datetimeFigureOut">
               <a:rPr lang="ko-KR" altLang="en-US" smtClean="0"/>
-              <a:t>2023-05-21</a:t>
+              <a:t>2023-05-29</a:t>
             </a:fld>
             <a:endParaRPr lang="ko-KR" altLang="en-US"/>
           </a:p>
@@ -2081,7 +2086,7 @@
           <a:p>
             <a:fld id="{96CCD7D2-BC6E-496C-96C2-F70DCBFA4A7F}" type="datetimeFigureOut">
               <a:rPr lang="ko-KR" altLang="en-US" smtClean="0"/>
-              <a:t>2023-05-21</a:t>
+              <a:t>2023-05-29</a:t>
             </a:fld>
             <a:endParaRPr lang="ko-KR" altLang="en-US"/>
           </a:p>
@@ -2392,7 +2397,7 @@
           <a:p>
             <a:fld id="{96CCD7D2-BC6E-496C-96C2-F70DCBFA4A7F}" type="datetimeFigureOut">
               <a:rPr lang="ko-KR" altLang="en-US" smtClean="0"/>
-              <a:t>2023-05-21</a:t>
+              <a:t>2023-05-29</a:t>
             </a:fld>
             <a:endParaRPr lang="ko-KR" altLang="en-US"/>
           </a:p>
@@ -2680,7 +2685,7 @@
           <a:p>
             <a:fld id="{96CCD7D2-BC6E-496C-96C2-F70DCBFA4A7F}" type="datetimeFigureOut">
               <a:rPr lang="ko-KR" altLang="en-US" smtClean="0"/>
-              <a:t>2023-05-21</a:t>
+              <a:t>2023-05-29</a:t>
             </a:fld>
             <a:endParaRPr lang="ko-KR" altLang="en-US"/>
           </a:p>
@@ -2921,7 +2926,7 @@
           <a:p>
             <a:fld id="{96CCD7D2-BC6E-496C-96C2-F70DCBFA4A7F}" type="datetimeFigureOut">
               <a:rPr lang="ko-KR" altLang="en-US" smtClean="0"/>
-              <a:t>2023-05-21</a:t>
+              <a:t>2023-05-29</a:t>
             </a:fld>
             <a:endParaRPr lang="ko-KR" altLang="en-US"/>
           </a:p>
@@ -4345,47 +4350,6 @@
       </p:grpSpPr>
       <p:sp>
         <p:nvSpPr>
-          <p:cNvPr id="2" name="제목 1">
-            <a:extLst>
-              <a:ext uri="{FF2B5EF4-FFF2-40B4-BE49-F238E27FC236}">
-                <a16:creationId xmlns:a16="http://schemas.microsoft.com/office/drawing/2014/main" id="{AC622155-44BE-5243-8754-05CE6DAE5F34}"/>
-              </a:ext>
-            </a:extLst>
-          </p:cNvPr>
-          <p:cNvSpPr>
-            <a:spLocks noGrp="1"/>
-          </p:cNvSpPr>
-          <p:nvPr>
-            <p:ph type="title"/>
-          </p:nvPr>
-        </p:nvSpPr>
-        <p:spPr/>
-        <p:txBody>
-          <a:bodyPr/>
-          <a:lstStyle/>
-          <a:p>
-            <a:r>
-              <a:rPr lang="ko-KR" altLang="en-US" dirty="0"/>
-              <a:t>요청 방식</a:t>
-            </a:r>
-            <a:r>
-              <a:rPr lang="en-US" altLang="ko-KR" dirty="0"/>
-              <a:t>, GET</a:t>
-            </a:r>
-            <a:r>
-              <a:rPr lang="ko-KR" altLang="en-US" dirty="0"/>
-              <a:t>과 </a:t>
-            </a:r>
-            <a:r>
-              <a:rPr lang="en-US" altLang="ko-KR" dirty="0"/>
-              <a:t>POST</a:t>
-            </a:r>
-            <a:endParaRPr lang="ko-KR" altLang="en-US" dirty="0"/>
-          </a:p>
-        </p:txBody>
-      </p:sp>
-      <p:sp>
-        <p:nvSpPr>
           <p:cNvPr id="4" name="TextBox 3">
             <a:extLst>
               <a:ext uri="{FF2B5EF4-FFF2-40B4-BE49-F238E27FC236}">
@@ -4529,6 +4493,74 @@
           </a:p>
         </p:txBody>
       </p:sp>
+      <p:sp>
+        <p:nvSpPr>
+          <p:cNvPr id="3" name="TextBox 2">
+            <a:extLst>
+              <a:ext uri="{FF2B5EF4-FFF2-40B4-BE49-F238E27FC236}">
+                <a16:creationId xmlns:a16="http://schemas.microsoft.com/office/drawing/2014/main" id="{DCD3214D-CE50-BB7C-D1A5-279C805B3958}"/>
+              </a:ext>
+            </a:extLst>
+          </p:cNvPr>
+          <p:cNvSpPr txBox="1"/>
+          <p:nvPr/>
+        </p:nvSpPr>
+        <p:spPr>
+          <a:xfrm>
+            <a:off x="306647" y="319086"/>
+            <a:ext cx="6034282" cy="707886"/>
+          </a:xfrm>
+          <a:prstGeom prst="rect">
+            <a:avLst/>
+          </a:prstGeom>
+          <a:noFill/>
+        </p:spPr>
+        <p:txBody>
+          <a:bodyPr wrap="square">
+            <a:spAutoFit/>
+          </a:bodyPr>
+          <a:lstStyle/>
+          <a:p>
+            <a:r>
+              <a:rPr lang="ko-KR" altLang="en-US" sz="4000" dirty="0">
+                <a:latin typeface="KoPubWorld돋움체 Bold" panose="00000800000000000000" pitchFamily="2" charset="-127"/>
+                <a:ea typeface="KoPubWorld돋움체 Bold" panose="00000800000000000000" pitchFamily="2" charset="-127"/>
+                <a:cs typeface="KoPubWorld돋움체 Bold" panose="00000800000000000000" pitchFamily="2" charset="-127"/>
+              </a:rPr>
+              <a:t>요청방식</a:t>
+            </a:r>
+            <a:r>
+              <a:rPr lang="en-US" altLang="ko-KR" sz="4000" dirty="0">
+                <a:latin typeface="KoPubWorld돋움체 Bold" panose="00000800000000000000" pitchFamily="2" charset="-127"/>
+                <a:ea typeface="KoPubWorld돋움체 Bold" panose="00000800000000000000" pitchFamily="2" charset="-127"/>
+                <a:cs typeface="KoPubWorld돋움체 Bold" panose="00000800000000000000" pitchFamily="2" charset="-127"/>
+              </a:rPr>
+              <a:t>, GET</a:t>
+            </a:r>
+            <a:r>
+              <a:rPr lang="ko-KR" altLang="en-US" sz="4000" dirty="0">
+                <a:latin typeface="KoPubWorld돋움체 Bold" panose="00000800000000000000" pitchFamily="2" charset="-127"/>
+                <a:ea typeface="KoPubWorld돋움체 Bold" panose="00000800000000000000" pitchFamily="2" charset="-127"/>
+                <a:cs typeface="KoPubWorld돋움체 Bold" panose="00000800000000000000" pitchFamily="2" charset="-127"/>
+              </a:rPr>
+              <a:t>과 </a:t>
+            </a:r>
+            <a:r>
+              <a:rPr lang="en-US" altLang="ko-KR" sz="4000" dirty="0">
+                <a:latin typeface="KoPubWorld돋움체 Bold" panose="00000800000000000000" pitchFamily="2" charset="-127"/>
+                <a:ea typeface="KoPubWorld돋움체 Bold" panose="00000800000000000000" pitchFamily="2" charset="-127"/>
+                <a:cs typeface="KoPubWorld돋움체 Bold" panose="00000800000000000000" pitchFamily="2" charset="-127"/>
+              </a:rPr>
+              <a:t>POST</a:t>
+            </a:r>
+            <a:endParaRPr lang="ko-KR" altLang="en-US" sz="4000" dirty="0">
+              <a:latin typeface="KoPubWorld돋움체 Bold" panose="00000800000000000000" pitchFamily="2" charset="-127"/>
+              <a:ea typeface="KoPubWorld돋움체 Bold" panose="00000800000000000000" pitchFamily="2" charset="-127"/>
+              <a:cs typeface="KoPubWorld돋움체 Bold" panose="00000800000000000000" pitchFamily="2" charset="-127"/>
+            </a:endParaRPr>
+          </a:p>
+        </p:txBody>
+      </p:sp>
     </p:spTree>
     <p:extLst>
       <p:ext uri="{BB962C8B-B14F-4D97-AF65-F5344CB8AC3E}">
@@ -4559,47 +4591,6 @@
           <a:chExt cx="0" cy="0"/>
         </a:xfrm>
       </p:grpSpPr>
-      <p:sp>
-        <p:nvSpPr>
-          <p:cNvPr id="2" name="제목 1">
-            <a:extLst>
-              <a:ext uri="{FF2B5EF4-FFF2-40B4-BE49-F238E27FC236}">
-                <a16:creationId xmlns:a16="http://schemas.microsoft.com/office/drawing/2014/main" id="{AC622155-44BE-5243-8754-05CE6DAE5F34}"/>
-              </a:ext>
-            </a:extLst>
-          </p:cNvPr>
-          <p:cNvSpPr>
-            <a:spLocks noGrp="1"/>
-          </p:cNvSpPr>
-          <p:nvPr>
-            <p:ph type="title"/>
-          </p:nvPr>
-        </p:nvSpPr>
-        <p:spPr/>
-        <p:txBody>
-          <a:bodyPr/>
-          <a:lstStyle/>
-          <a:p>
-            <a:r>
-              <a:rPr lang="ko-KR" altLang="en-US" dirty="0"/>
-              <a:t>요청 방식</a:t>
-            </a:r>
-            <a:r>
-              <a:rPr lang="en-US" altLang="ko-KR" dirty="0"/>
-              <a:t>, GET</a:t>
-            </a:r>
-            <a:r>
-              <a:rPr lang="ko-KR" altLang="en-US" dirty="0"/>
-              <a:t>과 </a:t>
-            </a:r>
-            <a:r>
-              <a:rPr lang="en-US" altLang="ko-KR" dirty="0"/>
-              <a:t>POST</a:t>
-            </a:r>
-            <a:endParaRPr lang="ko-KR" altLang="en-US" dirty="0"/>
-          </a:p>
-        </p:txBody>
-      </p:sp>
       <p:sp>
         <p:nvSpPr>
           <p:cNvPr id="4" name="TextBox 3">
@@ -4803,6 +4794,74 @@
           </a:p>
         </p:txBody>
       </p:sp>
+      <p:sp>
+        <p:nvSpPr>
+          <p:cNvPr id="8" name="TextBox 7">
+            <a:extLst>
+              <a:ext uri="{FF2B5EF4-FFF2-40B4-BE49-F238E27FC236}">
+                <a16:creationId xmlns:a16="http://schemas.microsoft.com/office/drawing/2014/main" id="{E1FD4A5F-9E19-F88B-6948-E048FC2BF3F5}"/>
+              </a:ext>
+            </a:extLst>
+          </p:cNvPr>
+          <p:cNvSpPr txBox="1"/>
+          <p:nvPr/>
+        </p:nvSpPr>
+        <p:spPr>
+          <a:xfrm>
+            <a:off x="306647" y="319086"/>
+            <a:ext cx="6034282" cy="707886"/>
+          </a:xfrm>
+          <a:prstGeom prst="rect">
+            <a:avLst/>
+          </a:prstGeom>
+          <a:noFill/>
+        </p:spPr>
+        <p:txBody>
+          <a:bodyPr wrap="square">
+            <a:spAutoFit/>
+          </a:bodyPr>
+          <a:lstStyle/>
+          <a:p>
+            <a:r>
+              <a:rPr lang="ko-KR" altLang="en-US" sz="4000" dirty="0">
+                <a:latin typeface="KoPubWorld돋움체 Bold" panose="00000800000000000000" pitchFamily="2" charset="-127"/>
+                <a:ea typeface="KoPubWorld돋움체 Bold" panose="00000800000000000000" pitchFamily="2" charset="-127"/>
+                <a:cs typeface="KoPubWorld돋움체 Bold" panose="00000800000000000000" pitchFamily="2" charset="-127"/>
+              </a:rPr>
+              <a:t>요청방식</a:t>
+            </a:r>
+            <a:r>
+              <a:rPr lang="en-US" altLang="ko-KR" sz="4000" dirty="0">
+                <a:latin typeface="KoPubWorld돋움체 Bold" panose="00000800000000000000" pitchFamily="2" charset="-127"/>
+                <a:ea typeface="KoPubWorld돋움체 Bold" panose="00000800000000000000" pitchFamily="2" charset="-127"/>
+                <a:cs typeface="KoPubWorld돋움체 Bold" panose="00000800000000000000" pitchFamily="2" charset="-127"/>
+              </a:rPr>
+              <a:t>, GET</a:t>
+            </a:r>
+            <a:r>
+              <a:rPr lang="ko-KR" altLang="en-US" sz="4000" dirty="0">
+                <a:latin typeface="KoPubWorld돋움체 Bold" panose="00000800000000000000" pitchFamily="2" charset="-127"/>
+                <a:ea typeface="KoPubWorld돋움체 Bold" panose="00000800000000000000" pitchFamily="2" charset="-127"/>
+                <a:cs typeface="KoPubWorld돋움체 Bold" panose="00000800000000000000" pitchFamily="2" charset="-127"/>
+              </a:rPr>
+              <a:t>과 </a:t>
+            </a:r>
+            <a:r>
+              <a:rPr lang="en-US" altLang="ko-KR" sz="4000" dirty="0">
+                <a:latin typeface="KoPubWorld돋움체 Bold" panose="00000800000000000000" pitchFamily="2" charset="-127"/>
+                <a:ea typeface="KoPubWorld돋움체 Bold" panose="00000800000000000000" pitchFamily="2" charset="-127"/>
+                <a:cs typeface="KoPubWorld돋움체 Bold" panose="00000800000000000000" pitchFamily="2" charset="-127"/>
+              </a:rPr>
+              <a:t>POST</a:t>
+            </a:r>
+            <a:endParaRPr lang="ko-KR" altLang="en-US" sz="4000" dirty="0">
+              <a:latin typeface="KoPubWorld돋움체 Bold" panose="00000800000000000000" pitchFamily="2" charset="-127"/>
+              <a:ea typeface="KoPubWorld돋움체 Bold" panose="00000800000000000000" pitchFamily="2" charset="-127"/>
+              <a:cs typeface="KoPubWorld돋움체 Bold" panose="00000800000000000000" pitchFamily="2" charset="-127"/>
+            </a:endParaRPr>
+          </a:p>
+        </p:txBody>
+      </p:sp>
     </p:spTree>
     <p:extLst>
       <p:ext uri="{BB962C8B-B14F-4D97-AF65-F5344CB8AC3E}">
@@ -4833,43 +4892,6 @@
           <a:chExt cx="0" cy="0"/>
         </a:xfrm>
       </p:grpSpPr>
-      <p:sp>
-        <p:nvSpPr>
-          <p:cNvPr id="2" name="제목 1">
-            <a:extLst>
-              <a:ext uri="{FF2B5EF4-FFF2-40B4-BE49-F238E27FC236}">
-                <a16:creationId xmlns:a16="http://schemas.microsoft.com/office/drawing/2014/main" id="{AC622155-44BE-5243-8754-05CE6DAE5F34}"/>
-              </a:ext>
-            </a:extLst>
-          </p:cNvPr>
-          <p:cNvSpPr>
-            <a:spLocks noGrp="1"/>
-          </p:cNvSpPr>
-          <p:nvPr>
-            <p:ph type="title"/>
-          </p:nvPr>
-        </p:nvSpPr>
-        <p:spPr>
-          <a:xfrm>
-            <a:off x="838200" y="225907"/>
-            <a:ext cx="10515600" cy="1325563"/>
-          </a:xfrm>
-        </p:spPr>
-        <p:txBody>
-          <a:bodyPr/>
-          <a:lstStyle/>
-          <a:p>
-            <a:r>
-              <a:rPr lang="en-US" altLang="ko-KR" dirty="0"/>
-              <a:t>GET</a:t>
-            </a:r>
-            <a:r>
-              <a:rPr lang="ko-KR" altLang="en-US" dirty="0"/>
-              <a:t> 방식</a:t>
-            </a:r>
-          </a:p>
-        </p:txBody>
-      </p:sp>
       <p:sp>
         <p:nvSpPr>
           <p:cNvPr id="4" name="TextBox 3">
@@ -5325,6 +5347,53 @@
           </a:p>
         </p:txBody>
       </p:sp>
+      <p:sp>
+        <p:nvSpPr>
+          <p:cNvPr id="3" name="TextBox 2">
+            <a:extLst>
+              <a:ext uri="{FF2B5EF4-FFF2-40B4-BE49-F238E27FC236}">
+                <a16:creationId xmlns:a16="http://schemas.microsoft.com/office/drawing/2014/main" id="{3D3B3A9B-5D72-0245-8F6D-09B44683AB6A}"/>
+              </a:ext>
+            </a:extLst>
+          </p:cNvPr>
+          <p:cNvSpPr txBox="1"/>
+          <p:nvPr/>
+        </p:nvSpPr>
+        <p:spPr>
+          <a:xfrm>
+            <a:off x="306647" y="319086"/>
+            <a:ext cx="4314339" cy="707886"/>
+          </a:xfrm>
+          <a:prstGeom prst="rect">
+            <a:avLst/>
+          </a:prstGeom>
+          <a:noFill/>
+        </p:spPr>
+        <p:txBody>
+          <a:bodyPr wrap="square">
+            <a:spAutoFit/>
+          </a:bodyPr>
+          <a:lstStyle/>
+          <a:p>
+            <a:r>
+              <a:rPr lang="en-US" altLang="ko-KR" sz="4000" dirty="0">
+                <a:latin typeface="KoPubWorld돋움체 Bold" panose="00000800000000000000" pitchFamily="2" charset="-127"/>
+                <a:ea typeface="KoPubWorld돋움체 Bold" panose="00000800000000000000" pitchFamily="2" charset="-127"/>
+                <a:cs typeface="KoPubWorld돋움체 Bold" panose="00000800000000000000" pitchFamily="2" charset="-127"/>
+              </a:rPr>
+              <a:t>GET</a:t>
+            </a:r>
+            <a:r>
+              <a:rPr lang="ko-KR" altLang="en-US" sz="4000" dirty="0">
+                <a:latin typeface="KoPubWorld돋움체 Bold" panose="00000800000000000000" pitchFamily="2" charset="-127"/>
+                <a:ea typeface="KoPubWorld돋움체 Bold" panose="00000800000000000000" pitchFamily="2" charset="-127"/>
+                <a:cs typeface="KoPubWorld돋움체 Bold" panose="00000800000000000000" pitchFamily="2" charset="-127"/>
+              </a:rPr>
+              <a:t>방식</a:t>
+            </a:r>
+          </a:p>
+        </p:txBody>
+      </p:sp>
     </p:spTree>
     <p:extLst>
       <p:ext uri="{BB962C8B-B14F-4D97-AF65-F5344CB8AC3E}">
@@ -5355,43 +5424,6 @@
           <a:chExt cx="0" cy="0"/>
         </a:xfrm>
       </p:grpSpPr>
-      <p:sp>
-        <p:nvSpPr>
-          <p:cNvPr id="2" name="제목 1">
-            <a:extLst>
-              <a:ext uri="{FF2B5EF4-FFF2-40B4-BE49-F238E27FC236}">
-                <a16:creationId xmlns:a16="http://schemas.microsoft.com/office/drawing/2014/main" id="{AC622155-44BE-5243-8754-05CE6DAE5F34}"/>
-              </a:ext>
-            </a:extLst>
-          </p:cNvPr>
-          <p:cNvSpPr>
-            <a:spLocks noGrp="1"/>
-          </p:cNvSpPr>
-          <p:nvPr>
-            <p:ph type="title"/>
-          </p:nvPr>
-        </p:nvSpPr>
-        <p:spPr>
-          <a:xfrm>
-            <a:off x="838200" y="225907"/>
-            <a:ext cx="10515600" cy="1325563"/>
-          </a:xfrm>
-        </p:spPr>
-        <p:txBody>
-          <a:bodyPr/>
-          <a:lstStyle/>
-          <a:p>
-            <a:r>
-              <a:rPr lang="en-US" altLang="ko-KR" dirty="0"/>
-              <a:t>POST</a:t>
-            </a:r>
-            <a:r>
-              <a:rPr lang="ko-KR" altLang="en-US" dirty="0"/>
-              <a:t> 방식</a:t>
-            </a:r>
-          </a:p>
-        </p:txBody>
-      </p:sp>
       <p:sp>
         <p:nvSpPr>
           <p:cNvPr id="4" name="TextBox 3">
@@ -5733,6 +5765,53 @@
           <a:p>
             <a:pPr algn="ctr"/>
             <a:endParaRPr lang="ko-KR" altLang="en-US"/>
+          </a:p>
+        </p:txBody>
+      </p:sp>
+      <p:sp>
+        <p:nvSpPr>
+          <p:cNvPr id="3" name="TextBox 2">
+            <a:extLst>
+              <a:ext uri="{FF2B5EF4-FFF2-40B4-BE49-F238E27FC236}">
+                <a16:creationId xmlns:a16="http://schemas.microsoft.com/office/drawing/2014/main" id="{809260F2-D487-B619-430A-6231A7842F19}"/>
+              </a:ext>
+            </a:extLst>
+          </p:cNvPr>
+          <p:cNvSpPr txBox="1"/>
+          <p:nvPr/>
+        </p:nvSpPr>
+        <p:spPr>
+          <a:xfrm>
+            <a:off x="306647" y="319086"/>
+            <a:ext cx="4314339" cy="707886"/>
+          </a:xfrm>
+          <a:prstGeom prst="rect">
+            <a:avLst/>
+          </a:prstGeom>
+          <a:noFill/>
+        </p:spPr>
+        <p:txBody>
+          <a:bodyPr wrap="square">
+            <a:spAutoFit/>
+          </a:bodyPr>
+          <a:lstStyle/>
+          <a:p>
+            <a:r>
+              <a:rPr lang="en-US" altLang="ko-KR" sz="4000" dirty="0">
+                <a:latin typeface="KoPubWorld돋움체 Bold" panose="00000800000000000000" pitchFamily="2" charset="-127"/>
+                <a:ea typeface="KoPubWorld돋움체 Bold" panose="00000800000000000000" pitchFamily="2" charset="-127"/>
+                <a:cs typeface="KoPubWorld돋움체 Bold" panose="00000800000000000000" pitchFamily="2" charset="-127"/>
+              </a:rPr>
+              <a:t>POST</a:t>
+            </a:r>
+            <a:r>
+              <a:rPr lang="ko-KR" altLang="en-US" sz="4000" dirty="0">
+                <a:latin typeface="KoPubWorld돋움체 Bold" panose="00000800000000000000" pitchFamily="2" charset="-127"/>
+                <a:ea typeface="KoPubWorld돋움체 Bold" panose="00000800000000000000" pitchFamily="2" charset="-127"/>
+                <a:cs typeface="KoPubWorld돋움체 Bold" panose="00000800000000000000" pitchFamily="2" charset="-127"/>
+              </a:rPr>
+              <a:t>방식</a:t>
+            </a:r>
           </a:p>
         </p:txBody>
       </p:sp>
@@ -6177,34 +6256,6 @@
       </p:grpSpPr>
       <p:sp>
         <p:nvSpPr>
-          <p:cNvPr id="2" name="제목 1">
-            <a:extLst>
-              <a:ext uri="{FF2B5EF4-FFF2-40B4-BE49-F238E27FC236}">
-                <a16:creationId xmlns:a16="http://schemas.microsoft.com/office/drawing/2014/main" id="{E5543438-5497-B729-DA63-E19F676FFD35}"/>
-              </a:ext>
-            </a:extLst>
-          </p:cNvPr>
-          <p:cNvSpPr>
-            <a:spLocks noGrp="1"/>
-          </p:cNvSpPr>
-          <p:nvPr>
-            <p:ph type="title"/>
-          </p:nvPr>
-        </p:nvSpPr>
-        <p:spPr/>
-        <p:txBody>
-          <a:bodyPr/>
-          <a:lstStyle/>
-          <a:p>
-            <a:r>
-              <a:rPr lang="ko-KR" altLang="en-US" dirty="0"/>
-              <a:t>응답 상태</a:t>
-            </a:r>
-          </a:p>
-        </p:txBody>
-      </p:sp>
-      <p:sp>
-        <p:nvSpPr>
           <p:cNvPr id="3" name="TextBox 2">
             <a:extLst>
               <a:ext uri="{FF2B5EF4-FFF2-40B4-BE49-F238E27FC236}">
@@ -6498,6 +6549,45 @@
           <a:p>
             <a:pPr algn="ctr"/>
             <a:endParaRPr lang="ko-KR" altLang="en-US"/>
+          </a:p>
+        </p:txBody>
+      </p:sp>
+      <p:sp>
+        <p:nvSpPr>
+          <p:cNvPr id="6" name="TextBox 5">
+            <a:extLst>
+              <a:ext uri="{FF2B5EF4-FFF2-40B4-BE49-F238E27FC236}">
+                <a16:creationId xmlns:a16="http://schemas.microsoft.com/office/drawing/2014/main" id="{48A8D7DC-4A60-10DA-1587-E0417B0472E9}"/>
+              </a:ext>
+            </a:extLst>
+          </p:cNvPr>
+          <p:cNvSpPr txBox="1"/>
+          <p:nvPr/>
+        </p:nvSpPr>
+        <p:spPr>
+          <a:xfrm>
+            <a:off x="306647" y="319086"/>
+            <a:ext cx="4314339" cy="707886"/>
+          </a:xfrm>
+          <a:prstGeom prst="rect">
+            <a:avLst/>
+          </a:prstGeom>
+          <a:noFill/>
+        </p:spPr>
+        <p:txBody>
+          <a:bodyPr wrap="square">
+            <a:spAutoFit/>
+          </a:bodyPr>
+          <a:lstStyle/>
+          <a:p>
+            <a:r>
+              <a:rPr lang="ko-KR" altLang="en-US" sz="4000" dirty="0">
+                <a:latin typeface="KoPubWorld돋움체 Bold" panose="00000800000000000000" pitchFamily="2" charset="-127"/>
+                <a:ea typeface="KoPubWorld돋움체 Bold" panose="00000800000000000000" pitchFamily="2" charset="-127"/>
+                <a:cs typeface="KoPubWorld돋움체 Bold" panose="00000800000000000000" pitchFamily="2" charset="-127"/>
+              </a:rPr>
+              <a:t>응답상태</a:t>
+            </a:r>
           </a:p>
         </p:txBody>
       </p:sp>
@@ -8215,38 +8305,6 @@
       </p:grpSpPr>
       <p:sp>
         <p:nvSpPr>
-          <p:cNvPr id="2" name="제목 1">
-            <a:extLst>
-              <a:ext uri="{FF2B5EF4-FFF2-40B4-BE49-F238E27FC236}">
-                <a16:creationId xmlns:a16="http://schemas.microsoft.com/office/drawing/2014/main" id="{72021DAD-16AF-F52E-E8F9-4709CDD77787}"/>
-              </a:ext>
-            </a:extLst>
-          </p:cNvPr>
-          <p:cNvSpPr>
-            <a:spLocks noGrp="1"/>
-          </p:cNvSpPr>
-          <p:nvPr>
-            <p:ph type="title"/>
-          </p:nvPr>
-        </p:nvSpPr>
-        <p:spPr/>
-        <p:txBody>
-          <a:bodyPr/>
-          <a:lstStyle/>
-          <a:p>
-            <a:r>
-              <a:rPr lang="en-US" altLang="ko-KR" dirty="0"/>
-              <a:t>HTTP</a:t>
-            </a:r>
-            <a:r>
-              <a:rPr lang="ko-KR" altLang="en-US" dirty="0"/>
-              <a:t>란</a:t>
-            </a:r>
-          </a:p>
-        </p:txBody>
-      </p:sp>
-      <p:sp>
-        <p:nvSpPr>
           <p:cNvPr id="4" name="TextBox 3">
             <a:extLst>
               <a:ext uri="{FF2B5EF4-FFF2-40B4-BE49-F238E27FC236}">
@@ -8611,6 +8669,53 @@
           </a:prstGeom>
         </p:spPr>
       </p:pic>
+      <p:sp>
+        <p:nvSpPr>
+          <p:cNvPr id="3" name="TextBox 2">
+            <a:extLst>
+              <a:ext uri="{FF2B5EF4-FFF2-40B4-BE49-F238E27FC236}">
+                <a16:creationId xmlns:a16="http://schemas.microsoft.com/office/drawing/2014/main" id="{0EB8033B-8431-0498-AACA-A3D7533BCF6E}"/>
+              </a:ext>
+            </a:extLst>
+          </p:cNvPr>
+          <p:cNvSpPr txBox="1"/>
+          <p:nvPr/>
+        </p:nvSpPr>
+        <p:spPr>
+          <a:xfrm>
+            <a:off x="306648" y="319086"/>
+            <a:ext cx="3846252" cy="707886"/>
+          </a:xfrm>
+          <a:prstGeom prst="rect">
+            <a:avLst/>
+          </a:prstGeom>
+          <a:noFill/>
+        </p:spPr>
+        <p:txBody>
+          <a:bodyPr wrap="square">
+            <a:spAutoFit/>
+          </a:bodyPr>
+          <a:lstStyle/>
+          <a:p>
+            <a:r>
+              <a:rPr lang="en-US" altLang="ko-KR" sz="4000" dirty="0">
+                <a:latin typeface="KoPubWorld돋움체 Bold" panose="00000800000000000000" pitchFamily="2" charset="-127"/>
+                <a:ea typeface="KoPubWorld돋움체 Bold" panose="00000800000000000000" pitchFamily="2" charset="-127"/>
+                <a:cs typeface="KoPubWorld돋움체 Bold" panose="00000800000000000000" pitchFamily="2" charset="-127"/>
+              </a:rPr>
+              <a:t>HTTP</a:t>
+            </a:r>
+            <a:r>
+              <a:rPr lang="ko-KR" altLang="en-US" sz="4000" dirty="0">
+                <a:latin typeface="KoPubWorld돋움체 Bold" panose="00000800000000000000" pitchFamily="2" charset="-127"/>
+                <a:ea typeface="KoPubWorld돋움체 Bold" panose="00000800000000000000" pitchFamily="2" charset="-127"/>
+                <a:cs typeface="KoPubWorld돋움체 Bold" panose="00000800000000000000" pitchFamily="2" charset="-127"/>
+              </a:rPr>
+              <a:t>란</a:t>
+            </a:r>
+          </a:p>
+        </p:txBody>
+      </p:sp>
     </p:spTree>
     <p:extLst>
       <p:ext uri="{BB962C8B-B14F-4D97-AF65-F5344CB8AC3E}">
@@ -8655,7 +8760,7 @@
         </p:nvSpPr>
         <p:spPr>
           <a:xfrm>
-            <a:off x="557348" y="704446"/>
+            <a:off x="613792" y="1336624"/>
             <a:ext cx="10659292" cy="338554"/>
           </a:xfrm>
           <a:prstGeom prst="rect">
@@ -8723,7 +8828,7 @@
         </p:nvSpPr>
         <p:spPr>
           <a:xfrm>
-            <a:off x="796834" y="1120005"/>
+            <a:off x="853278" y="1752183"/>
             <a:ext cx="10180320" cy="338554"/>
           </a:xfrm>
           <a:prstGeom prst="rect">
@@ -8775,7 +8880,7 @@
         </p:nvSpPr>
         <p:spPr>
           <a:xfrm>
-            <a:off x="696685" y="3429000"/>
+            <a:off x="753129" y="4061178"/>
             <a:ext cx="9170126" cy="697050"/>
           </a:xfrm>
           <a:prstGeom prst="rect">
@@ -8870,7 +8975,7 @@
         </p:blipFill>
         <p:spPr>
           <a:xfrm>
-            <a:off x="796834" y="4290446"/>
+            <a:off x="853278" y="4922624"/>
             <a:ext cx="5975441" cy="1447549"/>
           </a:xfrm>
           <a:prstGeom prst="rect">
@@ -8906,7 +9011,7 @@
         </p:blipFill>
         <p:spPr>
           <a:xfrm>
-            <a:off x="796834" y="1734089"/>
+            <a:off x="853278" y="2366267"/>
             <a:ext cx="5645285" cy="1209408"/>
           </a:xfrm>
           <a:prstGeom prst="rect">
@@ -8921,6 +9026,53 @@
           </a:ln>
         </p:spPr>
       </p:pic>
+      <p:sp>
+        <p:nvSpPr>
+          <p:cNvPr id="2" name="TextBox 1">
+            <a:extLst>
+              <a:ext uri="{FF2B5EF4-FFF2-40B4-BE49-F238E27FC236}">
+                <a16:creationId xmlns:a16="http://schemas.microsoft.com/office/drawing/2014/main" id="{23B8C9CB-D3AC-1BED-B464-8D3C35405F7D}"/>
+              </a:ext>
+            </a:extLst>
+          </p:cNvPr>
+          <p:cNvSpPr txBox="1"/>
+          <p:nvPr/>
+        </p:nvSpPr>
+        <p:spPr>
+          <a:xfrm>
+            <a:off x="306648" y="319086"/>
+            <a:ext cx="3846252" cy="707886"/>
+          </a:xfrm>
+          <a:prstGeom prst="rect">
+            <a:avLst/>
+          </a:prstGeom>
+          <a:noFill/>
+        </p:spPr>
+        <p:txBody>
+          <a:bodyPr wrap="square">
+            <a:spAutoFit/>
+          </a:bodyPr>
+          <a:lstStyle/>
+          <a:p>
+            <a:r>
+              <a:rPr lang="en-US" altLang="ko-KR" sz="4000" dirty="0">
+                <a:latin typeface="KoPubWorld돋움체 Bold" panose="00000800000000000000" pitchFamily="2" charset="-127"/>
+                <a:ea typeface="KoPubWorld돋움체 Bold" panose="00000800000000000000" pitchFamily="2" charset="-127"/>
+                <a:cs typeface="KoPubWorld돋움체 Bold" panose="00000800000000000000" pitchFamily="2" charset="-127"/>
+              </a:rPr>
+              <a:t>HTTP</a:t>
+            </a:r>
+            <a:r>
+              <a:rPr lang="ko-KR" altLang="en-US" sz="4000" dirty="0">
+                <a:latin typeface="KoPubWorld돋움체 Bold" panose="00000800000000000000" pitchFamily="2" charset="-127"/>
+                <a:ea typeface="KoPubWorld돋움체 Bold" panose="00000800000000000000" pitchFamily="2" charset="-127"/>
+                <a:cs typeface="KoPubWorld돋움체 Bold" panose="00000800000000000000" pitchFamily="2" charset="-127"/>
+              </a:rPr>
+              <a:t>란</a:t>
+            </a:r>
+          </a:p>
+        </p:txBody>
+      </p:sp>
     </p:spTree>
     <p:extLst>
       <p:ext uri="{BB962C8B-B14F-4D97-AF65-F5344CB8AC3E}">
@@ -9368,34 +9520,6 @@
           <a:chExt cx="0" cy="0"/>
         </a:xfrm>
       </p:grpSpPr>
-      <p:sp>
-        <p:nvSpPr>
-          <p:cNvPr id="2" name="제목 1">
-            <a:extLst>
-              <a:ext uri="{FF2B5EF4-FFF2-40B4-BE49-F238E27FC236}">
-                <a16:creationId xmlns:a16="http://schemas.microsoft.com/office/drawing/2014/main" id="{EE31F977-1E19-C54E-DE0A-7C9BD5B36E45}"/>
-              </a:ext>
-            </a:extLst>
-          </p:cNvPr>
-          <p:cNvSpPr>
-            <a:spLocks noGrp="1"/>
-          </p:cNvSpPr>
-          <p:nvPr>
-            <p:ph type="title"/>
-          </p:nvPr>
-        </p:nvSpPr>
-        <p:spPr/>
-        <p:txBody>
-          <a:bodyPr/>
-          <a:lstStyle/>
-          <a:p>
-            <a:r>
-              <a:rPr lang="ko-KR" altLang="en-US" dirty="0"/>
-              <a:t>요청 헤더와 응답 헤더</a:t>
-            </a:r>
-          </a:p>
-        </p:txBody>
-      </p:sp>
       <p:pic>
         <p:nvPicPr>
           <p:cNvPr id="4" name="그림 3">
@@ -9631,6 +9755,66 @@
               <a:t>.</a:t>
             </a:r>
             <a:endParaRPr lang="ko-KR" altLang="en-US" sz="1600" dirty="0"/>
+          </a:p>
+        </p:txBody>
+      </p:sp>
+      <p:sp>
+        <p:nvSpPr>
+          <p:cNvPr id="3" name="TextBox 2">
+            <a:extLst>
+              <a:ext uri="{FF2B5EF4-FFF2-40B4-BE49-F238E27FC236}">
+                <a16:creationId xmlns:a16="http://schemas.microsoft.com/office/drawing/2014/main" id="{8564762F-25B5-18AC-DEFF-7585A0BFCECD}"/>
+              </a:ext>
+            </a:extLst>
+          </p:cNvPr>
+          <p:cNvSpPr txBox="1"/>
+          <p:nvPr/>
+        </p:nvSpPr>
+        <p:spPr>
+          <a:xfrm>
+            <a:off x="306647" y="319086"/>
+            <a:ext cx="5016063" cy="707886"/>
+          </a:xfrm>
+          <a:prstGeom prst="rect">
+            <a:avLst/>
+          </a:prstGeom>
+          <a:noFill/>
+        </p:spPr>
+        <p:txBody>
+          <a:bodyPr wrap="square">
+            <a:spAutoFit/>
+          </a:bodyPr>
+          <a:lstStyle/>
+          <a:p>
+            <a:r>
+              <a:rPr lang="ko-KR" altLang="en-US" sz="4000" dirty="0" err="1">
+                <a:latin typeface="KoPubWorld돋움체 Bold" panose="00000800000000000000" pitchFamily="2" charset="-127"/>
+                <a:ea typeface="KoPubWorld돋움체 Bold" panose="00000800000000000000" pitchFamily="2" charset="-127"/>
+                <a:cs typeface="KoPubWorld돋움체 Bold" panose="00000800000000000000" pitchFamily="2" charset="-127"/>
+              </a:rPr>
+              <a:t>요청헤더와</a:t>
+            </a:r>
+            <a:r>
+              <a:rPr lang="ko-KR" altLang="en-US" sz="4000" dirty="0">
+                <a:latin typeface="KoPubWorld돋움체 Bold" panose="00000800000000000000" pitchFamily="2" charset="-127"/>
+                <a:ea typeface="KoPubWorld돋움체 Bold" panose="00000800000000000000" pitchFamily="2" charset="-127"/>
+                <a:cs typeface="KoPubWorld돋움체 Bold" panose="00000800000000000000" pitchFamily="2" charset="-127"/>
+              </a:rPr>
+              <a:t> </a:t>
+            </a:r>
+            <a:r>
+              <a:rPr lang="ko-KR" altLang="en-US" sz="4000" dirty="0" err="1">
+                <a:latin typeface="KoPubWorld돋움체 Bold" panose="00000800000000000000" pitchFamily="2" charset="-127"/>
+                <a:ea typeface="KoPubWorld돋움체 Bold" panose="00000800000000000000" pitchFamily="2" charset="-127"/>
+                <a:cs typeface="KoPubWorld돋움체 Bold" panose="00000800000000000000" pitchFamily="2" charset="-127"/>
+              </a:rPr>
+              <a:t>응답헤더</a:t>
+            </a:r>
+            <a:endParaRPr lang="ko-KR" altLang="en-US" sz="4000" dirty="0">
+              <a:latin typeface="KoPubWorld돋움체 Bold" panose="00000800000000000000" pitchFamily="2" charset="-127"/>
+              <a:ea typeface="KoPubWorld돋움체 Bold" panose="00000800000000000000" pitchFamily="2" charset="-127"/>
+              <a:cs typeface="KoPubWorld돋움체 Bold" panose="00000800000000000000" pitchFamily="2" charset="-127"/>
+            </a:endParaRPr>
           </a:p>
         </p:txBody>
       </p:sp>
@@ -9664,34 +9848,6 @@
           <a:chExt cx="0" cy="0"/>
         </a:xfrm>
       </p:grpSpPr>
-      <p:sp>
-        <p:nvSpPr>
-          <p:cNvPr id="2" name="제목 1">
-            <a:extLst>
-              <a:ext uri="{FF2B5EF4-FFF2-40B4-BE49-F238E27FC236}">
-                <a16:creationId xmlns:a16="http://schemas.microsoft.com/office/drawing/2014/main" id="{EE31F977-1E19-C54E-DE0A-7C9BD5B36E45}"/>
-              </a:ext>
-            </a:extLst>
-          </p:cNvPr>
-          <p:cNvSpPr>
-            <a:spLocks noGrp="1"/>
-          </p:cNvSpPr>
-          <p:nvPr>
-            <p:ph type="title"/>
-          </p:nvPr>
-        </p:nvSpPr>
-        <p:spPr/>
-        <p:txBody>
-          <a:bodyPr/>
-          <a:lstStyle/>
-          <a:p>
-            <a:r>
-              <a:rPr lang="ko-KR" altLang="en-US" dirty="0"/>
-              <a:t>크롬에서 네트워크 확인하기</a:t>
-            </a:r>
-          </a:p>
-        </p:txBody>
-      </p:sp>
       <p:pic>
         <p:nvPicPr>
           <p:cNvPr id="4" name="그림 3">
@@ -9927,6 +10083,45 @@
               <a:t>.</a:t>
             </a:r>
             <a:endParaRPr lang="ko-KR" altLang="en-US" sz="1600" dirty="0"/>
+          </a:p>
+        </p:txBody>
+      </p:sp>
+      <p:sp>
+        <p:nvSpPr>
+          <p:cNvPr id="3" name="TextBox 2">
+            <a:extLst>
+              <a:ext uri="{FF2B5EF4-FFF2-40B4-BE49-F238E27FC236}">
+                <a16:creationId xmlns:a16="http://schemas.microsoft.com/office/drawing/2014/main" id="{B0B85F4D-A5F0-B45B-CBAB-E115B0FB535A}"/>
+              </a:ext>
+            </a:extLst>
+          </p:cNvPr>
+          <p:cNvSpPr txBox="1"/>
+          <p:nvPr/>
+        </p:nvSpPr>
+        <p:spPr>
+          <a:xfrm>
+            <a:off x="306647" y="319086"/>
+            <a:ext cx="6034282" cy="707886"/>
+          </a:xfrm>
+          <a:prstGeom prst="rect">
+            <a:avLst/>
+          </a:prstGeom>
+          <a:noFill/>
+        </p:spPr>
+        <p:txBody>
+          <a:bodyPr wrap="square">
+            <a:spAutoFit/>
+          </a:bodyPr>
+          <a:lstStyle/>
+          <a:p>
+            <a:r>
+              <a:rPr lang="ko-KR" altLang="en-US" sz="4000" dirty="0">
+                <a:latin typeface="KoPubWorld돋움체 Bold" panose="00000800000000000000" pitchFamily="2" charset="-127"/>
+                <a:ea typeface="KoPubWorld돋움체 Bold" panose="00000800000000000000" pitchFamily="2" charset="-127"/>
+                <a:cs typeface="KoPubWorld돋움체 Bold" panose="00000800000000000000" pitchFamily="2" charset="-127"/>
+              </a:rPr>
+              <a:t>크롬에서 네트워크 확인하기</a:t>
+            </a:r>
           </a:p>
         </p:txBody>
       </p:sp>
